--- a/slides/LLMs/08 Tools.pptx
+++ b/slides/LLMs/08 Tools.pptx
@@ -5,27 +5,26 @@
     <p:sldMasterId id="2147483648" r:id="rId1"/>
   </p:sldMasterIdLst>
   <p:notesMasterIdLst>
-    <p:notesMasterId r:id="rId17"/>
+    <p:notesMasterId r:id="rId16"/>
   </p:notesMasterIdLst>
   <p:handoutMasterIdLst>
-    <p:handoutMasterId r:id="rId18"/>
+    <p:handoutMasterId r:id="rId17"/>
   </p:handoutMasterIdLst>
   <p:sldIdLst>
     <p:sldId id="256" r:id="rId2"/>
     <p:sldId id="1481" r:id="rId3"/>
     <p:sldId id="1483" r:id="rId4"/>
     <p:sldId id="1482" r:id="rId5"/>
-    <p:sldId id="1484" r:id="rId6"/>
-    <p:sldId id="1485" r:id="rId7"/>
-    <p:sldId id="1486" r:id="rId8"/>
-    <p:sldId id="1488" r:id="rId9"/>
-    <p:sldId id="1489" r:id="rId10"/>
+    <p:sldId id="1486" r:id="rId6"/>
+    <p:sldId id="1488" r:id="rId7"/>
+    <p:sldId id="1489" r:id="rId8"/>
+    <p:sldId id="1485" r:id="rId9"/>
+    <p:sldId id="1484" r:id="rId10"/>
     <p:sldId id="1490" r:id="rId11"/>
-    <p:sldId id="1451" r:id="rId12"/>
-    <p:sldId id="1496" r:id="rId13"/>
-    <p:sldId id="1502" r:id="rId14"/>
-    <p:sldId id="1480" r:id="rId15"/>
-    <p:sldId id="1315" r:id="rId16"/>
+    <p:sldId id="1496" r:id="rId12"/>
+    <p:sldId id="1451" r:id="rId13"/>
+    <p:sldId id="1480" r:id="rId14"/>
+    <p:sldId id="1315" r:id="rId15"/>
   </p:sldIdLst>
   <p:sldSz cx="12192000" cy="6858000"/>
   <p:notesSz cx="6858000" cy="9144000"/>
@@ -214,7 +213,7 @@
           <a:p>
             <a:fld id="{696C064A-D61B-4B21-B757-51A9B82445B8}" type="datetimeFigureOut">
               <a:rPr lang="en-US" smtClean="0"/>
-              <a:t>11/15/2025</a:t>
+              <a:t>11/23/2025</a:t>
             </a:fld>
             <a:endParaRPr lang="en-US"/>
           </a:p>
@@ -379,7 +378,7 @@
           <a:p>
             <a:fld id="{3EFD42F7-718C-4B98-AAEC-167E6DDD60A7}" type="datetimeFigureOut">
               <a:rPr lang="en-US" smtClean="0"/>
-              <a:t>11/15/2025</a:t>
+              <a:t>11/23/2025</a:t>
             </a:fld>
             <a:endParaRPr lang="en-US"/>
           </a:p>
@@ -770,7 +769,7 @@
           <a:p>
             <a:fld id="{63A1C593-65D0-4073-BCC9-577B9352EA97}" type="datetimeFigureOut">
               <a:rPr lang="en-US" smtClean="0"/>
-              <a:t>11/15/2025</a:t>
+              <a:t>11/23/2025</a:t>
             </a:fld>
             <a:endParaRPr lang="en-US"/>
           </a:p>
@@ -933,7 +932,7 @@
           <a:p>
             <a:fld id="{63A1C593-65D0-4073-BCC9-577B9352EA97}" type="datetimeFigureOut">
               <a:rPr lang="en-US" smtClean="0"/>
-              <a:t>11/15/2025</a:t>
+              <a:t>11/23/2025</a:t>
             </a:fld>
             <a:endParaRPr lang="en-US"/>
           </a:p>
@@ -1106,7 +1105,7 @@
           <a:p>
             <a:fld id="{63A1C593-65D0-4073-BCC9-577B9352EA97}" type="datetimeFigureOut">
               <a:rPr lang="en-US" smtClean="0"/>
-              <a:t>11/15/2025</a:t>
+              <a:t>11/23/2025</a:t>
             </a:fld>
             <a:endParaRPr lang="en-US"/>
           </a:p>
@@ -1269,7 +1268,7 @@
           <a:p>
             <a:fld id="{63A1C593-65D0-4073-BCC9-577B9352EA97}" type="datetimeFigureOut">
               <a:rPr lang="en-US" smtClean="0"/>
-              <a:t>11/15/2025</a:t>
+              <a:t>11/23/2025</a:t>
             </a:fld>
             <a:endParaRPr lang="en-US"/>
           </a:p>
@@ -1432,7 +1431,7 @@
           <a:p>
             <a:fld id="{63A1C593-65D0-4073-BCC9-577B9352EA97}" type="datetimeFigureOut">
               <a:rPr lang="en-US" smtClean="0"/>
-              <a:t>11/15/2025</a:t>
+              <a:t>11/23/2025</a:t>
             </a:fld>
             <a:endParaRPr lang="en-US"/>
           </a:p>
@@ -1672,7 +1671,7 @@
           <a:p>
             <a:fld id="{63A1C593-65D0-4073-BCC9-577B9352EA97}" type="datetimeFigureOut">
               <a:rPr lang="en-US" smtClean="0"/>
-              <a:t>11/15/2025</a:t>
+              <a:t>11/23/2025</a:t>
             </a:fld>
             <a:endParaRPr lang="en-US"/>
           </a:p>
@@ -1896,7 +1895,7 @@
           <a:p>
             <a:fld id="{63A1C593-65D0-4073-BCC9-577B9352EA97}" type="datetimeFigureOut">
               <a:rPr lang="en-US" smtClean="0"/>
-              <a:t>11/15/2025</a:t>
+              <a:t>11/23/2025</a:t>
             </a:fld>
             <a:endParaRPr lang="en-US"/>
           </a:p>
@@ -2255,7 +2254,7 @@
           <a:p>
             <a:fld id="{63A1C593-65D0-4073-BCC9-577B9352EA97}" type="datetimeFigureOut">
               <a:rPr lang="en-US" smtClean="0"/>
-              <a:t>11/15/2025</a:t>
+              <a:t>11/23/2025</a:t>
             </a:fld>
             <a:endParaRPr lang="en-US"/>
           </a:p>
@@ -2367,7 +2366,7 @@
           <a:p>
             <a:fld id="{63A1C593-65D0-4073-BCC9-577B9352EA97}" type="datetimeFigureOut">
               <a:rPr lang="en-US" smtClean="0"/>
-              <a:t>11/15/2025</a:t>
+              <a:t>11/23/2025</a:t>
             </a:fld>
             <a:endParaRPr lang="en-US"/>
           </a:p>
@@ -2457,7 +2456,7 @@
           <a:p>
             <a:fld id="{63A1C593-65D0-4073-BCC9-577B9352EA97}" type="datetimeFigureOut">
               <a:rPr lang="en-US" smtClean="0"/>
-              <a:t>11/15/2025</a:t>
+              <a:t>11/23/2025</a:t>
             </a:fld>
             <a:endParaRPr lang="en-US"/>
           </a:p>
@@ -2727,7 +2726,7 @@
           <a:p>
             <a:fld id="{63A1C593-65D0-4073-BCC9-577B9352EA97}" type="datetimeFigureOut">
               <a:rPr lang="en-US" smtClean="0"/>
-              <a:t>11/15/2025</a:t>
+              <a:t>11/23/2025</a:t>
             </a:fld>
             <a:endParaRPr lang="en-US"/>
           </a:p>
@@ -2974,7 +2973,7 @@
           <a:p>
             <a:fld id="{63A1C593-65D0-4073-BCC9-577B9352EA97}" type="datetimeFigureOut">
               <a:rPr lang="en-US" smtClean="0"/>
-              <a:t>11/15/2025</a:t>
+              <a:t>11/23/2025</a:t>
             </a:fld>
             <a:endParaRPr lang="en-US"/>
           </a:p>
@@ -3180,7 +3179,7 @@
           <a:p>
             <a:fld id="{63A1C593-65D0-4073-BCC9-577B9352EA97}" type="datetimeFigureOut">
               <a:rPr lang="en-US" smtClean="0"/>
-              <a:t>11/15/2025</a:t>
+              <a:t>11/23/2025</a:t>
             </a:fld>
             <a:endParaRPr lang="en-US"/>
           </a:p>
@@ -3660,31 +3659,6 @@
           </a:ln>
         </p:spPr>
       </p:pic>
-      <p:sp>
-        <p:nvSpPr>
-          <p:cNvPr id="5" name="Subtitle 4">
-            <a:extLst>
-              <a:ext uri="{FF2B5EF4-FFF2-40B4-BE49-F238E27FC236}">
-                <a16:creationId xmlns:a16="http://schemas.microsoft.com/office/drawing/2014/main" id="{C181671E-75FC-4D9C-8CC2-4B3945766D54}"/>
-              </a:ext>
-            </a:extLst>
-          </p:cNvPr>
-          <p:cNvSpPr>
-            <a:spLocks noGrp="1"/>
-          </p:cNvSpPr>
-          <p:nvPr>
-            <p:ph type="subTitle" idx="1"/>
-          </p:nvPr>
-        </p:nvSpPr>
-        <p:spPr/>
-        <p:txBody>
-          <a:bodyPr/>
-          <a:lstStyle/>
-          <a:p>
-            <a:endParaRPr lang="en-US"/>
-          </a:p>
-        </p:txBody>
-      </p:sp>
     </p:spTree>
   </p:cSld>
   <p:clrMapOvr>
@@ -3748,29 +3722,24 @@
           <a:lstStyle/>
           <a:p>
             <a:r>
-              <a:rPr lang="en-US"/>
-              <a:t>Tools </a:t>
-            </a:r>
-          </a:p>
-          <a:p>
-            <a:pPr lvl="1"/>
-            <a:r>
-              <a:rPr lang="en-US"/>
-              <a:t>haiper.ai</a:t>
-            </a:r>
-          </a:p>
-          <a:p>
-            <a:pPr lvl="1"/>
-            <a:r>
-              <a:rPr lang="en-US"/>
+              <a:rPr lang="en-US" dirty="0"/>
+              <a:t>haiper.ai </a:t>
+            </a:r>
+          </a:p>
+          <a:p>
+            <a:r>
+              <a:rPr lang="en-US" dirty="0"/>
               <a:t>ai.invideo.io</a:t>
             </a:r>
           </a:p>
           <a:p>
-            <a:pPr lvl="1"/>
-            <a:r>
-              <a:rPr lang="en-US"/>
-              <a:t>Filmora AI</a:t>
+            <a:r>
+              <a:rPr lang="en-US" dirty="0" err="1"/>
+              <a:t>Filmora</a:t>
+            </a:r>
+            <a:r>
+              <a:rPr lang="en-US" dirty="0"/>
+              <a:t> AI</a:t>
             </a:r>
           </a:p>
         </p:txBody>
@@ -3802,7 +3771,7 @@
       </p:grpSpPr>
       <p:sp>
         <p:nvSpPr>
-          <p:cNvPr id="5" name="Title 4"/>
+          <p:cNvPr id="2" name="Title 1"/>
           <p:cNvSpPr>
             <a:spLocks noGrp="1"/>
           </p:cNvSpPr>
@@ -3816,15 +3785,15 @@
           <a:lstStyle/>
           <a:p>
             <a:r>
-              <a:rPr lang="en-US"/>
-              <a:t>Tools summary / comparison </a:t>
-            </a:r>
-          </a:p>
-        </p:txBody>
-      </p:sp>
-      <p:sp>
-        <p:nvSpPr>
-          <p:cNvPr id="6" name="Content Placeholder 5"/>
+              <a:rPr lang="en-US" dirty="0"/>
+              <a:t>Best AI Video Generators </a:t>
+            </a:r>
+          </a:p>
+        </p:txBody>
+      </p:sp>
+      <p:sp>
+        <p:nvSpPr>
+          <p:cNvPr id="3" name="Content Placeholder 2"/>
           <p:cNvSpPr>
             <a:spLocks noGrp="1"/>
           </p:cNvSpPr>
@@ -3834,24 +3803,85 @@
         </p:nvSpPr>
         <p:spPr/>
         <p:txBody>
-          <a:bodyPr/>
-          <a:lstStyle/>
-          <a:p>
-            <a:r>
-              <a:rPr lang="en-US"/>
-              <a:t>https://guides.library.georgetown.edu/ai/tools</a:t>
-            </a:r>
-          </a:p>
-          <a:p>
-            <a:r>
-              <a:rPr lang="en-US">
-                <a:sym typeface="+mn-ea"/>
-              </a:rPr>
-              <a:t>https://huit.harvard.edu/ai/tools </a:t>
-            </a:r>
-          </a:p>
-          <a:p>
-            <a:endParaRPr lang="en-US"/>
+          <a:bodyPr>
+            <a:normAutofit lnSpcReduction="10000"/>
+          </a:bodyPr>
+          <a:lstStyle/>
+          <a:p>
+            <a:r>
+              <a:rPr lang="en-US"/>
+              <a:t>https://invideo.io/blog/best-ai-video-generators/</a:t>
+            </a:r>
+          </a:p>
+          <a:p>
+            <a:pPr lvl="1"/>
+            <a:r>
+              <a:rPr lang="en-US"/>
+              <a:t>Invideo AI: Generating videos from text prompts</a:t>
+            </a:r>
+          </a:p>
+          <a:p>
+            <a:pPr lvl="1"/>
+            <a:r>
+              <a:rPr lang="en-US"/>
+              <a:t>Descript: Script-based video editing</a:t>
+            </a:r>
+          </a:p>
+          <a:p>
+            <a:pPr lvl="1"/>
+            <a:r>
+              <a:rPr lang="en-US"/>
+              <a:t>Runway: Exploring generative AI for text-based video creation</a:t>
+            </a:r>
+          </a:p>
+          <a:p>
+            <a:pPr lvl="1"/>
+            <a:r>
+              <a:rPr lang="en-US"/>
+              <a:t>Fliki: Making videos tailored specifically for social media</a:t>
+            </a:r>
+          </a:p>
+          <a:p>
+            <a:pPr lvl="1"/>
+            <a:r>
+              <a:rPr lang="en-US"/>
+              <a:t>Visla: Making scripts into videos</a:t>
+            </a:r>
+          </a:p>
+          <a:p>
+            <a:pPr lvl="1"/>
+            <a:r>
+              <a:rPr lang="en-US"/>
+              <a:t>Opus Clip: Turning long-form videos into short-form content</a:t>
+            </a:r>
+          </a:p>
+          <a:p>
+            <a:pPr lvl="1"/>
+            <a:r>
+              <a:rPr lang="en-US"/>
+              <a:t>Colossyan: Creating videos for workplace learning</a:t>
+            </a:r>
+          </a:p>
+          <a:p>
+            <a:pPr lvl="1"/>
+            <a:r>
+              <a:rPr lang="en-US"/>
+              <a:t>DeepBrain AI: Turning text into videos</a:t>
+            </a:r>
+          </a:p>
+          <a:p>
+            <a:pPr lvl="1"/>
+            <a:r>
+              <a:rPr lang="en-US"/>
+              <a:t>Hour One: Creating medium to short-form videos</a:t>
+            </a:r>
+          </a:p>
+          <a:p>
+            <a:pPr lvl="1"/>
+            <a:r>
+              <a:rPr lang="en-US"/>
+              <a:t>Synthesia: Mixing in digital avatars</a:t>
+            </a:r>
           </a:p>
         </p:txBody>
       </p:sp>
@@ -3882,7 +3912,7 @@
       </p:grpSpPr>
       <p:sp>
         <p:nvSpPr>
-          <p:cNvPr id="2" name="Title 1"/>
+          <p:cNvPr id="5" name="Title 4"/>
           <p:cNvSpPr>
             <a:spLocks noGrp="1"/>
           </p:cNvSpPr>
@@ -3897,14 +3927,14 @@
           <a:p>
             <a:r>
               <a:rPr lang="en-US"/>
-              <a:t>Best AI Video Generators for 2024</a:t>
-            </a:r>
-          </a:p>
-        </p:txBody>
-      </p:sp>
-      <p:sp>
-        <p:nvSpPr>
-          <p:cNvPr id="3" name="Content Placeholder 2"/>
+              <a:t>Tools summary / comparison </a:t>
+            </a:r>
+          </a:p>
+        </p:txBody>
+      </p:sp>
+      <p:sp>
+        <p:nvSpPr>
+          <p:cNvPr id="6" name="Content Placeholder 5"/>
           <p:cNvSpPr>
             <a:spLocks noGrp="1"/>
           </p:cNvSpPr>
@@ -3914,85 +3944,24 @@
         </p:nvSpPr>
         <p:spPr/>
         <p:txBody>
-          <a:bodyPr>
-            <a:normAutofit lnSpcReduction="10000"/>
-          </a:bodyPr>
-          <a:lstStyle/>
-          <a:p>
-            <a:r>
-              <a:rPr lang="en-US"/>
-              <a:t>https://invideo.io/blog/best-ai-video-generators/</a:t>
-            </a:r>
-          </a:p>
-          <a:p>
-            <a:pPr lvl="1"/>
-            <a:r>
-              <a:rPr lang="en-US"/>
-              <a:t>Invideo AI: Generating videos from text prompts</a:t>
-            </a:r>
-          </a:p>
-          <a:p>
-            <a:pPr lvl="1"/>
-            <a:r>
-              <a:rPr lang="en-US"/>
-              <a:t>Descript: Script-based video editing</a:t>
-            </a:r>
-          </a:p>
-          <a:p>
-            <a:pPr lvl="1"/>
-            <a:r>
-              <a:rPr lang="en-US"/>
-              <a:t>Runway: Exploring generative AI for text-based video creation</a:t>
-            </a:r>
-          </a:p>
-          <a:p>
-            <a:pPr lvl="1"/>
-            <a:r>
-              <a:rPr lang="en-US"/>
-              <a:t>Fliki: Making videos tailored specifically for social media</a:t>
-            </a:r>
-          </a:p>
-          <a:p>
-            <a:pPr lvl="1"/>
-            <a:r>
-              <a:rPr lang="en-US"/>
-              <a:t>Visla: Making scripts into videos</a:t>
-            </a:r>
-          </a:p>
-          <a:p>
-            <a:pPr lvl="1"/>
-            <a:r>
-              <a:rPr lang="en-US"/>
-              <a:t>Opus Clip: Turning long-form videos into short-form content</a:t>
-            </a:r>
-          </a:p>
-          <a:p>
-            <a:pPr lvl="1"/>
-            <a:r>
-              <a:rPr lang="en-US"/>
-              <a:t>Colossyan: Creating videos for workplace learning</a:t>
-            </a:r>
-          </a:p>
-          <a:p>
-            <a:pPr lvl="1"/>
-            <a:r>
-              <a:rPr lang="en-US"/>
-              <a:t>DeepBrain AI: Turning text into videos</a:t>
-            </a:r>
-          </a:p>
-          <a:p>
-            <a:pPr lvl="1"/>
-            <a:r>
-              <a:rPr lang="en-US"/>
-              <a:t>Hour One: Creating medium to short-form videos</a:t>
-            </a:r>
-          </a:p>
-          <a:p>
-            <a:pPr lvl="1"/>
-            <a:r>
-              <a:rPr lang="en-US"/>
-              <a:t>Synthesia: Mixing in digital avatars</a:t>
-            </a:r>
+          <a:bodyPr/>
+          <a:lstStyle/>
+          <a:p>
+            <a:r>
+              <a:rPr lang="en-US"/>
+              <a:t>https://guides.library.georgetown.edu/ai/tools</a:t>
+            </a:r>
+          </a:p>
+          <a:p>
+            <a:r>
+              <a:rPr lang="en-US">
+                <a:sym typeface="+mn-ea"/>
+              </a:rPr>
+              <a:t>https://huit.harvard.edu/ai/tools </a:t>
+            </a:r>
+          </a:p>
+          <a:p>
+            <a:endParaRPr lang="en-US"/>
           </a:p>
         </p:txBody>
       </p:sp>
@@ -4038,7 +4007,7 @@
           <a:p>
             <a:r>
               <a:rPr lang="en-US"/>
-              <a:t>Image Generation </a:t>
+              <a:t>AI directories </a:t>
             </a:r>
           </a:p>
         </p:txBody>
@@ -4060,43 +4029,55 @@
           <a:p>
             <a:r>
               <a:rPr lang="en-US"/>
-              <a:t>Tools </a:t>
-            </a:r>
-          </a:p>
-          <a:p>
-            <a:pPr lvl="1"/>
-            <a:r>
-              <a:rPr lang="en-US"/>
-              <a:t>Shutterstock: Best AI Art for Any Project</a:t>
-            </a:r>
-          </a:p>
-          <a:p>
-            <a:pPr lvl="1"/>
-            <a:r>
-              <a:rPr lang="en-US"/>
-              <a:t>DALL-E 2: The Game-Changer </a:t>
-            </a:r>
-          </a:p>
-          <a:p>
-            <a:pPr lvl="1"/>
-            <a:r>
-              <a:rPr lang="en-US"/>
-              <a:t>Hotpot: The Best Portrait Artist</a:t>
-            </a:r>
-          </a:p>
-          <a:p>
-            <a:pPr lvl="1"/>
-            <a:r>
-              <a:rPr lang="en-US"/>
-              <a:t>NightCafe: A Community at Your Fingertips</a:t>
-            </a:r>
-          </a:p>
-          <a:p>
-            <a:pPr lvl="1"/>
-            <a:r>
-              <a:rPr lang="en-US"/>
-              <a:t>Deep Dream Generator: The Best for Surrealism</a:t>
-            </a:r>
+              <a:t>https://www.stork.ai/ </a:t>
+            </a:r>
+          </a:p>
+          <a:p>
+            <a:r>
+              <a:rPr lang="en-US"/>
+              <a:t>https://findmyaitool.com/</a:t>
+            </a:r>
+          </a:p>
+          <a:p>
+            <a:r>
+              <a:rPr lang="en-US">
+                <a:sym typeface="+mn-ea"/>
+              </a:rPr>
+              <a:t>https://www.futurepedia.io/</a:t>
+            </a:r>
+          </a:p>
+          <a:p>
+            <a:r>
+              <a:rPr lang="en-US">
+                <a:sym typeface="+mn-ea"/>
+              </a:rPr>
+              <a:t>https://www.aitoolhunt.com/</a:t>
+            </a:r>
+            <a:endParaRPr lang="en-US"/>
+          </a:p>
+          <a:p>
+            <a:r>
+              <a:rPr lang="en-US">
+                <a:sym typeface="+mn-ea"/>
+              </a:rPr>
+              <a:t>https://aitoolsdirectory.com/</a:t>
+            </a:r>
+            <a:endParaRPr lang="en-US"/>
+          </a:p>
+          <a:p>
+            <a:r>
+              <a:rPr lang="en-US">
+                <a:sym typeface="+mn-ea"/>
+              </a:rPr>
+              <a:t>https://www.theailibrary.co/directory</a:t>
+            </a:r>
+            <a:endParaRPr lang="en-US"/>
+          </a:p>
+          <a:p>
+            <a:endParaRPr lang="en-US"/>
+          </a:p>
+          <a:p>
+            <a:endParaRPr lang="en-US"/>
           </a:p>
         </p:txBody>
       </p:sp>
@@ -4109,122 +4090,6 @@
 </file>
 
 <file path=ppt/slides/slide14.xml><?xml version="1.0" encoding="utf-8"?>
-<p:sld xmlns:a="http://schemas.openxmlformats.org/drawingml/2006/main" xmlns:r="http://schemas.openxmlformats.org/officeDocument/2006/relationships" xmlns:p="http://schemas.openxmlformats.org/presentationml/2006/main">
-  <p:cSld>
-    <p:spTree>
-      <p:nvGrpSpPr>
-        <p:cNvPr id="1" name=""/>
-        <p:cNvGrpSpPr/>
-        <p:nvPr/>
-      </p:nvGrpSpPr>
-      <p:grpSpPr>
-        <a:xfrm>
-          <a:off x="0" y="0"/>
-          <a:ext cx="0" cy="0"/>
-          <a:chOff x="0" y="0"/>
-          <a:chExt cx="0" cy="0"/>
-        </a:xfrm>
-      </p:grpSpPr>
-      <p:sp>
-        <p:nvSpPr>
-          <p:cNvPr id="2" name="Title 1"/>
-          <p:cNvSpPr>
-            <a:spLocks noGrp="1"/>
-          </p:cNvSpPr>
-          <p:nvPr>
-            <p:ph type="title"/>
-          </p:nvPr>
-        </p:nvSpPr>
-        <p:spPr/>
-        <p:txBody>
-          <a:bodyPr/>
-          <a:lstStyle/>
-          <a:p>
-            <a:r>
-              <a:rPr lang="en-US"/>
-              <a:t>AI directories </a:t>
-            </a:r>
-          </a:p>
-        </p:txBody>
-      </p:sp>
-      <p:sp>
-        <p:nvSpPr>
-          <p:cNvPr id="3" name="Content Placeholder 2"/>
-          <p:cNvSpPr>
-            <a:spLocks noGrp="1"/>
-          </p:cNvSpPr>
-          <p:nvPr>
-            <p:ph idx="1"/>
-          </p:nvPr>
-        </p:nvSpPr>
-        <p:spPr/>
-        <p:txBody>
-          <a:bodyPr/>
-          <a:lstStyle/>
-          <a:p>
-            <a:r>
-              <a:rPr lang="en-US"/>
-              <a:t>https://www.stork.ai/ </a:t>
-            </a:r>
-          </a:p>
-          <a:p>
-            <a:r>
-              <a:rPr lang="en-US"/>
-              <a:t>https://findmyaitool.com/</a:t>
-            </a:r>
-          </a:p>
-          <a:p>
-            <a:r>
-              <a:rPr lang="en-US">
-                <a:sym typeface="+mn-ea"/>
-              </a:rPr>
-              <a:t>https://www.futurepedia.io/</a:t>
-            </a:r>
-          </a:p>
-          <a:p>
-            <a:r>
-              <a:rPr lang="en-US">
-                <a:sym typeface="+mn-ea"/>
-              </a:rPr>
-              <a:t>https://www.aitoolhunt.com/</a:t>
-            </a:r>
-            <a:endParaRPr lang="en-US"/>
-          </a:p>
-          <a:p>
-            <a:r>
-              <a:rPr lang="en-US">
-                <a:sym typeface="+mn-ea"/>
-              </a:rPr>
-              <a:t>https://aitoolsdirectory.com/</a:t>
-            </a:r>
-            <a:endParaRPr lang="en-US"/>
-          </a:p>
-          <a:p>
-            <a:r>
-              <a:rPr lang="en-US">
-                <a:sym typeface="+mn-ea"/>
-              </a:rPr>
-              <a:t>https://www.theailibrary.co/directory</a:t>
-            </a:r>
-            <a:endParaRPr lang="en-US"/>
-          </a:p>
-          <a:p>
-            <a:endParaRPr lang="en-US"/>
-          </a:p>
-          <a:p>
-            <a:endParaRPr lang="en-US"/>
-          </a:p>
-        </p:txBody>
-      </p:sp>
-    </p:spTree>
-  </p:cSld>
-  <p:clrMapOvr>
-    <a:masterClrMapping/>
-  </p:clrMapOvr>
-</p:sld>
-</file>
-
-<file path=ppt/slides/slide15.xml><?xml version="1.0" encoding="utf-8"?>
 <p:sld xmlns:a="http://schemas.openxmlformats.org/drawingml/2006/main" xmlns:r="http://schemas.openxmlformats.org/officeDocument/2006/relationships" xmlns:p="http://schemas.openxmlformats.org/presentationml/2006/main">
   <p:cSld>
     <p:spTree>
@@ -4332,7 +4197,7 @@
           <a:p>
             <a:fld id="{9B618960-8005-486C-9A75-10CB2AAC16F9}" type="slidenum">
               <a:rPr lang="en-US" smtClean="0"/>
-              <a:t>15</a:t>
+              <a:t>14</a:t>
             </a:fld>
             <a:endParaRPr lang="en-US"/>
           </a:p>
@@ -4468,7 +4333,7 @@
           <a:lstStyle/>
           <a:p>
             <a:r>
-              <a:rPr lang="en-US"/>
+              <a:rPr lang="en-US" dirty="0"/>
               <a:t>Review Literature / AI Search Engines </a:t>
             </a:r>
           </a:p>
@@ -4490,55 +4355,100 @@
           <a:lstStyle/>
           <a:p>
             <a:r>
-              <a:rPr lang="en-US">
+              <a:rPr lang="en-US" dirty="0">
+                <a:sym typeface="+mn-ea"/>
+                <a:hlinkClick r:id="rId2"/>
+              </a:rPr>
+              <a:t>https://scholar.google.com/scholar_labs/search</a:t>
+            </a:r>
+            <a:r>
+              <a:rPr lang="en-US" dirty="0">
                 <a:sym typeface="+mn-ea"/>
               </a:rPr>
-              <a:t>Explain Paper</a:t>
-            </a:r>
-            <a:endParaRPr lang="en-US"/>
-          </a:p>
-          <a:p>
-            <a:r>
-              <a:rPr lang="en-US">
+              <a:t> </a:t>
+            </a:r>
+          </a:p>
+          <a:p>
+            <a:r>
+              <a:rPr lang="en-US" dirty="0">
+                <a:sym typeface="+mn-ea"/>
+              </a:rPr>
+              <a:t>Explain Paper </a:t>
+            </a:r>
+            <a:r>
+              <a:rPr lang="en-US" dirty="0">
+                <a:sym typeface="+mn-ea"/>
+                <a:hlinkClick r:id="rId3"/>
+              </a:rPr>
+              <a:t>https://www.explainpaper.com/</a:t>
+            </a:r>
+            <a:r>
+              <a:rPr lang="en-US" dirty="0">
+                <a:sym typeface="+mn-ea"/>
+              </a:rPr>
+              <a:t> </a:t>
+            </a:r>
+            <a:endParaRPr lang="en-US" dirty="0"/>
+          </a:p>
+          <a:p>
+            <a:r>
+              <a:rPr lang="en-US" dirty="0">
                 <a:sym typeface="+mn-ea"/>
               </a:rPr>
               <a:t>Perplexity AI </a:t>
             </a:r>
-          </a:p>
-          <a:p>
-            <a:r>
-              <a:rPr lang="en-US">
+            <a:r>
+              <a:rPr lang="en-US" dirty="0">
+                <a:sym typeface="+mn-ea"/>
+                <a:hlinkClick r:id="rId4"/>
+              </a:rPr>
+              <a:t>https://www.perplexity.ai/</a:t>
+            </a:r>
+            <a:r>
+              <a:rPr lang="en-US" dirty="0">
                 <a:sym typeface="+mn-ea"/>
               </a:rPr>
-              <a:t>SCISPACE</a:t>
-            </a:r>
-          </a:p>
-          <a:p>
-            <a:r>
-              <a:rPr lang="en-US">
+              <a:t> </a:t>
+            </a:r>
+          </a:p>
+          <a:p>
+            <a:r>
+              <a:rPr lang="en-US" dirty="0">
                 <a:sym typeface="+mn-ea"/>
               </a:rPr>
-              <a:t>Elicit</a:t>
-            </a:r>
-          </a:p>
-          <a:p>
-            <a:r>
-              <a:rPr lang="en-US">
+              <a:t>SCISPACE </a:t>
+            </a:r>
+            <a:r>
+              <a:rPr lang="en-US" dirty="0">
+                <a:sym typeface="+mn-ea"/>
+                <a:hlinkClick r:id="rId5"/>
+              </a:rPr>
+              <a:t>https://scispace.com/</a:t>
+            </a:r>
+            <a:r>
+              <a:rPr lang="en-US" dirty="0">
                 <a:sym typeface="+mn-ea"/>
               </a:rPr>
-              <a:t>Paperbrain</a:t>
-            </a:r>
-          </a:p>
-          <a:p>
-            <a:r>
-              <a:rPr lang="en-US">
+              <a:t> </a:t>
+            </a:r>
+          </a:p>
+          <a:p>
+            <a:r>
+              <a:rPr lang="en-US" dirty="0">
+                <a:sym typeface="+mn-ea"/>
+                <a:hlinkClick r:id="rId3"/>
+              </a:rPr>
+              <a:t>https://www.explainpaper.com/</a:t>
+            </a:r>
+            <a:r>
+              <a:rPr lang="en-US" dirty="0">
                 <a:sym typeface="+mn-ea"/>
               </a:rPr>
-              <a:t>tavily.com</a:t>
-            </a:r>
-          </a:p>
-          <a:p>
-            <a:endParaRPr lang="en-US"/>
+              <a:t> </a:t>
+            </a:r>
+          </a:p>
+          <a:p>
+            <a:endParaRPr lang="en-US" dirty="0"/>
           </a:p>
         </p:txBody>
       </p:sp>
@@ -4583,7 +4493,7 @@
           <a:lstStyle/>
           <a:p>
             <a:r>
-              <a:rPr lang="en-US"/>
+              <a:rPr lang="en-US" dirty="0"/>
               <a:t>Concept Mind Maps</a:t>
             </a:r>
           </a:p>
@@ -4605,15 +4515,32 @@
           <a:lstStyle/>
           <a:p>
             <a:r>
-              <a:rPr lang="en-US">
+              <a:rPr lang="en-US" dirty="0"/>
+              <a:t>Concept Mind Maps </a:t>
+            </a:r>
+            <a:r>
+              <a:rPr lang="en-US" dirty="0">
+                <a:hlinkClick r:id="rId2"/>
+              </a:rPr>
+              <a:t>http://</a:t>
+            </a:r>
+            <a:r>
+              <a:rPr lang="en-US" dirty="0">
+                <a:sym typeface="+mn-ea"/>
+                <a:hlinkClick r:id="rId2"/>
+              </a:rPr>
+              <a:t>heuristi.ca</a:t>
+            </a:r>
+            <a:r>
+              <a:rPr lang="en-US" dirty="0">
                 <a:sym typeface="+mn-ea"/>
               </a:rPr>
-              <a:t>heuristi.ca</a:t>
-            </a:r>
-            <a:endParaRPr lang="en-US"/>
-          </a:p>
-          <a:p>
-            <a:endParaRPr lang="en-US"/>
+              <a:t> </a:t>
+            </a:r>
+            <a:endParaRPr lang="en-US" dirty="0"/>
+          </a:p>
+          <a:p>
+            <a:endParaRPr lang="en-US" dirty="0"/>
           </a:p>
         </p:txBody>
       </p:sp>
@@ -4659,7 +4586,7 @@
           <a:p>
             <a:r>
               <a:rPr lang="en-US"/>
-              <a:t>Image Generation</a:t>
+              <a:t>Review tools / writing assitance  </a:t>
             </a:r>
           </a:p>
         </p:txBody>
@@ -4680,38 +4607,40 @@
           <a:lstStyle/>
           <a:p>
             <a:r>
-              <a:rPr lang="ar-EG">
+              <a:rPr lang="ar-EG" dirty="0" err="1">
                 <a:sym typeface="+mn-ea"/>
               </a:rPr>
-              <a:t>ideogram.ai</a:t>
-            </a:r>
-            <a:endParaRPr lang="ar-EG"/>
-          </a:p>
-          <a:p>
-            <a:r>
-              <a:rPr lang="ar-EG">
+              <a:t>Quillbot</a:t>
+            </a:r>
+            <a:endParaRPr lang="ar-EG" dirty="0">
+              <a:sym typeface="+mn-ea"/>
+            </a:endParaRPr>
+          </a:p>
+          <a:p>
+            <a:r>
+              <a:rPr lang="en-US" dirty="0">
                 <a:sym typeface="+mn-ea"/>
               </a:rPr>
-              <a:t>canva.com</a:t>
-            </a:r>
-            <a:r>
-              <a:rPr lang="en-US" altLang="ar-EG">
+              <a:t>jenni.ai</a:t>
+            </a:r>
+            <a:endParaRPr lang="en-US" dirty="0"/>
+          </a:p>
+          <a:p>
+            <a:r>
+              <a:rPr lang="en-US" dirty="0">
                 <a:sym typeface="+mn-ea"/>
               </a:rPr>
-              <a:t> </a:t>
-            </a:r>
-          </a:p>
-          <a:p>
-            <a:r>
-              <a:rPr lang="en-US"/>
-              <a:t>openart.ai </a:t>
-            </a:r>
-          </a:p>
-          <a:p>
-            <a:r>
-              <a:rPr lang="en-US"/>
-              <a:t>https://leonardo.ai/</a:t>
-            </a:r>
+              <a:t>semihuman.ai</a:t>
+            </a:r>
+          </a:p>
+          <a:p>
+            <a:r>
+              <a:rPr lang="en-US" dirty="0"/>
+              <a:t>paperpal.com</a:t>
+            </a:r>
+          </a:p>
+          <a:p>
+            <a:endParaRPr lang="en-US" dirty="0"/>
           </a:p>
         </p:txBody>
       </p:sp>
@@ -4757,7 +4686,7 @@
           <a:p>
             <a:r>
               <a:rPr lang="en-US"/>
-              <a:t>Alternatives to GPT </a:t>
+              <a:t>Talk to your data </a:t>
             </a:r>
           </a:p>
         </p:txBody>
@@ -4778,15 +4707,18 @@
           <a:lstStyle/>
           <a:p>
             <a:r>
-              <a:rPr lang="ar-EG">
+              <a:rPr lang="en-US" dirty="0">
                 <a:sym typeface="+mn-ea"/>
               </a:rPr>
-              <a:t>claude.ai</a:t>
-            </a:r>
-            <a:endParaRPr lang="ar-EG"/>
-          </a:p>
-          <a:p>
-            <a:endParaRPr lang="en-US"/>
+              <a:t>powerdrill.ai</a:t>
+            </a:r>
+            <a:endParaRPr lang="en-US" dirty="0"/>
+          </a:p>
+          <a:p>
+            <a:r>
+              <a:rPr lang="en-US" dirty="0"/>
+              <a:t>www.chatdb.ai</a:t>
+            </a:r>
           </a:p>
         </p:txBody>
       </p:sp>
@@ -4832,7 +4764,7 @@
           <a:p>
             <a:r>
               <a:rPr lang="en-US"/>
-              <a:t>Review tools / writing assitance  </a:t>
+              <a:t> ideation and decision-making</a:t>
             </a:r>
           </a:p>
         </p:txBody>
@@ -4853,37 +4785,9 @@
           <a:lstStyle/>
           <a:p>
             <a:r>
-              <a:rPr lang="ar-EG">
-                <a:sym typeface="+mn-ea"/>
-              </a:rPr>
-              <a:t>Quillbot</a:t>
-            </a:r>
-          </a:p>
-          <a:p>
-            <a:r>
-              <a:rPr lang="en-US">
-                <a:sym typeface="+mn-ea"/>
-              </a:rPr>
-              <a:t>jenni.ai</a:t>
-            </a:r>
-            <a:endParaRPr lang="en-US"/>
-          </a:p>
-          <a:p>
-            <a:r>
-              <a:rPr lang="en-US">
-                <a:sym typeface="+mn-ea"/>
-              </a:rPr>
-              <a:t>semihuman.ai</a:t>
-            </a:r>
-          </a:p>
-          <a:p>
-            <a:r>
-              <a:rPr lang="en-US"/>
-              <a:t>paperpal.com</a:t>
-            </a:r>
-          </a:p>
-          <a:p>
-            <a:endParaRPr lang="en-US"/>
+              <a:rPr lang="en-US"/>
+              <a:t>jeda.ai</a:t>
+            </a:r>
           </a:p>
         </p:txBody>
       </p:sp>
@@ -4929,7 +4833,7 @@
           <a:p>
             <a:r>
               <a:rPr lang="en-US"/>
-              <a:t>Talk to your data </a:t>
+              <a:t>Alternatives to GPT </a:t>
             </a:r>
           </a:p>
         </p:txBody>
@@ -4950,18 +4854,74 @@
           <a:lstStyle/>
           <a:p>
             <a:r>
-              <a:rPr lang="en-US">
+              <a:rPr lang="ar-EG" dirty="0">
                 <a:sym typeface="+mn-ea"/>
               </a:rPr>
-              <a:t>powerdrill.ai</a:t>
-            </a:r>
-            <a:endParaRPr lang="en-US"/>
-          </a:p>
-          <a:p>
-            <a:r>
-              <a:rPr lang="en-US"/>
-              <a:t>www.chatdb.ai</a:t>
-            </a:r>
+              <a:t>claude.ai</a:t>
+            </a:r>
+            <a:endParaRPr lang="en-US" dirty="0">
+              <a:sym typeface="+mn-ea"/>
+            </a:endParaRPr>
+          </a:p>
+          <a:p>
+            <a:r>
+              <a:rPr lang="en-US" dirty="0"/>
+              <a:t>Gemini</a:t>
+            </a:r>
+          </a:p>
+          <a:p>
+            <a:r>
+              <a:rPr lang="en-US" dirty="0"/>
+              <a:t>Qwen</a:t>
+            </a:r>
+          </a:p>
+          <a:p>
+            <a:r>
+              <a:rPr lang="en-US" dirty="0" err="1"/>
+              <a:t>Deepseek</a:t>
+            </a:r>
+            <a:r>
+              <a:rPr lang="en-US" dirty="0"/>
+              <a:t> </a:t>
+            </a:r>
+          </a:p>
+          <a:p>
+            <a:r>
+              <a:rPr lang="en-US" dirty="0"/>
+              <a:t>365 copilot </a:t>
+            </a:r>
+          </a:p>
+          <a:p>
+            <a:r>
+              <a:rPr lang="en-US" dirty="0" err="1"/>
+              <a:t>Grock</a:t>
+            </a:r>
+            <a:r>
+              <a:rPr lang="en-US" dirty="0"/>
+              <a:t> </a:t>
+            </a:r>
+          </a:p>
+          <a:p>
+            <a:r>
+              <a:rPr lang="en-US" dirty="0"/>
+              <a:t>Duck.ai </a:t>
+            </a:r>
+          </a:p>
+          <a:p>
+            <a:r>
+              <a:rPr lang="en-US" dirty="0">
+                <a:hlinkClick r:id="rId2"/>
+              </a:rPr>
+              <a:t>Napkin AI - The visual AI for business storytelling</a:t>
+            </a:r>
+            <a:r>
+              <a:rPr lang="en-US" dirty="0"/>
+              <a:t> </a:t>
+            </a:r>
+            <a:endParaRPr lang="ar-EG" dirty="0"/>
+          </a:p>
+          <a:p>
+            <a:endParaRPr lang="en-US" dirty="0"/>
           </a:p>
         </p:txBody>
       </p:sp>
@@ -5007,7 +4967,7 @@
           <a:p>
             <a:r>
               <a:rPr lang="en-US"/>
-              <a:t> ideation and decision-making</a:t>
+              <a:t>Image Generation</a:t>
             </a:r>
           </a:p>
         </p:txBody>
@@ -5024,13 +4984,84 @@
         </p:nvSpPr>
         <p:spPr/>
         <p:txBody>
-          <a:bodyPr/>
-          <a:lstStyle/>
-          <a:p>
-            <a:r>
-              <a:rPr lang="en-US"/>
-              <a:t>jeda.ai</a:t>
-            </a:r>
+          <a:bodyPr>
+            <a:normAutofit lnSpcReduction="10000"/>
+          </a:bodyPr>
+          <a:lstStyle/>
+          <a:p>
+            <a:r>
+              <a:rPr lang="ar-EG" dirty="0">
+                <a:sym typeface="+mn-ea"/>
+              </a:rPr>
+              <a:t>ideogram.ai</a:t>
+            </a:r>
+            <a:endParaRPr lang="ar-EG" dirty="0"/>
+          </a:p>
+          <a:p>
+            <a:r>
+              <a:rPr lang="ar-EG" dirty="0">
+                <a:sym typeface="+mn-ea"/>
+              </a:rPr>
+              <a:t>canva.com</a:t>
+            </a:r>
+            <a:r>
+              <a:rPr lang="en-US" altLang="ar-EG" dirty="0">
+                <a:sym typeface="+mn-ea"/>
+              </a:rPr>
+              <a:t> </a:t>
+            </a:r>
+          </a:p>
+          <a:p>
+            <a:r>
+              <a:rPr lang="en-US" dirty="0"/>
+              <a:t>openart.ai </a:t>
+            </a:r>
+          </a:p>
+          <a:p>
+            <a:r>
+              <a:rPr lang="en-US" dirty="0">
+                <a:hlinkClick r:id="rId2"/>
+              </a:rPr>
+              <a:t>https://leonardo.ai/</a:t>
+            </a:r>
+            <a:endParaRPr lang="en-US" dirty="0"/>
+          </a:p>
+          <a:p>
+            <a:r>
+              <a:rPr lang="en-US" dirty="0"/>
+              <a:t>Shutterstock: Best AI Art for Any Project</a:t>
+            </a:r>
+          </a:p>
+          <a:p>
+            <a:r>
+              <a:rPr lang="en-US" dirty="0"/>
+              <a:t>DALL-E 2: The Game-Changer </a:t>
+            </a:r>
+          </a:p>
+          <a:p>
+            <a:r>
+              <a:rPr lang="en-US" dirty="0"/>
+              <a:t>Hotpot: The Best Portrait Artist</a:t>
+            </a:r>
+          </a:p>
+          <a:p>
+            <a:r>
+              <a:rPr lang="en-US" dirty="0" err="1"/>
+              <a:t>NightCafe</a:t>
+            </a:r>
+            <a:r>
+              <a:rPr lang="en-US" dirty="0"/>
+              <a:t>: A Community at Your Fingertips</a:t>
+            </a:r>
+          </a:p>
+          <a:p>
+            <a:r>
+              <a:rPr lang="en-US" dirty="0"/>
+              <a:t>Deep Dream Generator: The Best for Surrealism</a:t>
+            </a:r>
+          </a:p>
+          <a:p>
+            <a:endParaRPr lang="en-US" dirty="0"/>
           </a:p>
         </p:txBody>
       </p:sp>
